--- a/proxy-fig.pptx
+++ b/proxy-fig.pptx
@@ -104,6 +104,11 @@
       </a:defRPr>
     </a:lvl9pPr>
   </p:defaultTextStyle>
+  <p:extLst>
+    <p:ext uri="{EFAFB233-063F-42B5-8137-9DF3F51BA10A}">
+      <p15:sldGuideLst xmlns:p15="http://schemas.microsoft.com/office/powerpoint/2012/main"/>
+    </p:ext>
+  </p:extLst>
 </p:presentation>
 </file>
 
@@ -256,7 +261,7 @@
           <a:p>
             <a:fld id="{2D9157D9-251C-1D4A-8C99-DD8FC55EBDA3}" type="datetimeFigureOut">
               <a:rPr lang="en-US" smtClean="0"/>
-              <a:t>12/5/25</a:t>
+              <a:t>12/22/25</a:t>
             </a:fld>
             <a:endParaRPr lang="en-US"/>
           </a:p>
@@ -456,7 +461,7 @@
           <a:p>
             <a:fld id="{2D9157D9-251C-1D4A-8C99-DD8FC55EBDA3}" type="datetimeFigureOut">
               <a:rPr lang="en-US" smtClean="0"/>
-              <a:t>12/5/25</a:t>
+              <a:t>12/22/25</a:t>
             </a:fld>
             <a:endParaRPr lang="en-US"/>
           </a:p>
@@ -666,7 +671,7 @@
           <a:p>
             <a:fld id="{2D9157D9-251C-1D4A-8C99-DD8FC55EBDA3}" type="datetimeFigureOut">
               <a:rPr lang="en-US" smtClean="0"/>
-              <a:t>12/5/25</a:t>
+              <a:t>12/22/25</a:t>
             </a:fld>
             <a:endParaRPr lang="en-US"/>
           </a:p>
@@ -866,7 +871,7 @@
           <a:p>
             <a:fld id="{2D9157D9-251C-1D4A-8C99-DD8FC55EBDA3}" type="datetimeFigureOut">
               <a:rPr lang="en-US" smtClean="0"/>
-              <a:t>12/5/25</a:t>
+              <a:t>12/22/25</a:t>
             </a:fld>
             <a:endParaRPr lang="en-US"/>
           </a:p>
@@ -1142,7 +1147,7 @@
           <a:p>
             <a:fld id="{2D9157D9-251C-1D4A-8C99-DD8FC55EBDA3}" type="datetimeFigureOut">
               <a:rPr lang="en-US" smtClean="0"/>
-              <a:t>12/5/25</a:t>
+              <a:t>12/22/25</a:t>
             </a:fld>
             <a:endParaRPr lang="en-US"/>
           </a:p>
@@ -1410,7 +1415,7 @@
           <a:p>
             <a:fld id="{2D9157D9-251C-1D4A-8C99-DD8FC55EBDA3}" type="datetimeFigureOut">
               <a:rPr lang="en-US" smtClean="0"/>
-              <a:t>12/5/25</a:t>
+              <a:t>12/22/25</a:t>
             </a:fld>
             <a:endParaRPr lang="en-US"/>
           </a:p>
@@ -1825,7 +1830,7 @@
           <a:p>
             <a:fld id="{2D9157D9-251C-1D4A-8C99-DD8FC55EBDA3}" type="datetimeFigureOut">
               <a:rPr lang="en-US" smtClean="0"/>
-              <a:t>12/5/25</a:t>
+              <a:t>12/22/25</a:t>
             </a:fld>
             <a:endParaRPr lang="en-US"/>
           </a:p>
@@ -1967,7 +1972,7 @@
           <a:p>
             <a:fld id="{2D9157D9-251C-1D4A-8C99-DD8FC55EBDA3}" type="datetimeFigureOut">
               <a:rPr lang="en-US" smtClean="0"/>
-              <a:t>12/5/25</a:t>
+              <a:t>12/22/25</a:t>
             </a:fld>
             <a:endParaRPr lang="en-US"/>
           </a:p>
@@ -2080,7 +2085,7 @@
           <a:p>
             <a:fld id="{2D9157D9-251C-1D4A-8C99-DD8FC55EBDA3}" type="datetimeFigureOut">
               <a:rPr lang="en-US" smtClean="0"/>
-              <a:t>12/5/25</a:t>
+              <a:t>12/22/25</a:t>
             </a:fld>
             <a:endParaRPr lang="en-US"/>
           </a:p>
@@ -2393,7 +2398,7 @@
           <a:p>
             <a:fld id="{2D9157D9-251C-1D4A-8C99-DD8FC55EBDA3}" type="datetimeFigureOut">
               <a:rPr lang="en-US" smtClean="0"/>
-              <a:t>12/5/25</a:t>
+              <a:t>12/22/25</a:t>
             </a:fld>
             <a:endParaRPr lang="en-US"/>
           </a:p>
@@ -2682,7 +2687,7 @@
           <a:p>
             <a:fld id="{2D9157D9-251C-1D4A-8C99-DD8FC55EBDA3}" type="datetimeFigureOut">
               <a:rPr lang="en-US" smtClean="0"/>
-              <a:t>12/5/25</a:t>
+              <a:t>12/22/25</a:t>
             </a:fld>
             <a:endParaRPr lang="en-US"/>
           </a:p>
@@ -2925,7 +2930,7 @@
           <a:p>
             <a:fld id="{2D9157D9-251C-1D4A-8C99-DD8FC55EBDA3}" type="datetimeFigureOut">
               <a:rPr lang="en-US" smtClean="0"/>
-              <a:t>12/5/25</a:t>
+              <a:t>12/22/25</a:t>
             </a:fld>
             <a:endParaRPr lang="en-US"/>
           </a:p>
@@ -3344,10 +3349,10 @@
       </p:grpSpPr>
       <p:pic>
         <p:nvPicPr>
-          <p:cNvPr id="11" name="Picture 10">
-            <a:extLst>
-              <a:ext uri="{FF2B5EF4-FFF2-40B4-BE49-F238E27FC236}">
-                <a16:creationId xmlns:a16="http://schemas.microsoft.com/office/drawing/2014/main" id="{5D0B8C65-80C5-8B92-F9A5-C6F177B8E7DC}"/>
+          <p:cNvPr id="5" name="Picture 4">
+            <a:extLst>
+              <a:ext uri="{FF2B5EF4-FFF2-40B4-BE49-F238E27FC236}">
+                <a16:creationId xmlns:a16="http://schemas.microsoft.com/office/drawing/2014/main" id="{9DE149A4-7CAC-E6F7-DEB4-7F6DB4F06262}"/>
               </a:ext>
             </a:extLst>
           </p:cNvPr>
@@ -3358,36 +3363,6 @@
         </p:nvPicPr>
         <p:blipFill>
           <a:blip r:embed="rId2"/>
-          <a:stretch>
-            <a:fillRect/>
-          </a:stretch>
-        </p:blipFill>
-        <p:spPr>
-          <a:xfrm>
-            <a:off x="7013749" y="772297"/>
-            <a:ext cx="4874741" cy="4874741"/>
-          </a:xfrm>
-          <a:prstGeom prst="rect">
-            <a:avLst/>
-          </a:prstGeom>
-        </p:spPr>
-      </p:pic>
-      <p:pic>
-        <p:nvPicPr>
-          <p:cNvPr id="5" name="Picture 4">
-            <a:extLst>
-              <a:ext uri="{FF2B5EF4-FFF2-40B4-BE49-F238E27FC236}">
-                <a16:creationId xmlns:a16="http://schemas.microsoft.com/office/drawing/2014/main" id="{9DE149A4-7CAC-E6F7-DEB4-7F6DB4F06262}"/>
-              </a:ext>
-            </a:extLst>
-          </p:cNvPr>
-          <p:cNvPicPr>
-            <a:picLocks noChangeAspect="1"/>
-          </p:cNvPicPr>
-          <p:nvPr/>
-        </p:nvPicPr>
-        <p:blipFill>
-          <a:blip r:embed="rId3"/>
           <a:stretch>
             <a:fillRect/>
           </a:stretch>
@@ -3451,7 +3426,7 @@
         </p:nvSpPr>
         <p:spPr>
           <a:xfrm>
-            <a:off x="6896350" y="700491"/>
+            <a:off x="6426927" y="706434"/>
             <a:ext cx="370614" cy="461665"/>
           </a:xfrm>
           <a:prstGeom prst="rect">
@@ -3472,6 +3447,36 @@
           </a:p>
         </p:txBody>
       </p:sp>
+      <p:pic>
+        <p:nvPicPr>
+          <p:cNvPr id="3" name="Picture 2">
+            <a:extLst>
+              <a:ext uri="{FF2B5EF4-FFF2-40B4-BE49-F238E27FC236}">
+                <a16:creationId xmlns:a16="http://schemas.microsoft.com/office/drawing/2014/main" id="{8A4F0CCF-1E29-865D-3568-35CBBAD3C162}"/>
+              </a:ext>
+            </a:extLst>
+          </p:cNvPr>
+          <p:cNvPicPr>
+            <a:picLocks noChangeAspect="1"/>
+          </p:cNvPicPr>
+          <p:nvPr/>
+        </p:nvPicPr>
+        <p:blipFill>
+          <a:blip r:embed="rId3"/>
+          <a:stretch>
+            <a:fillRect/>
+          </a:stretch>
+        </p:blipFill>
+        <p:spPr>
+          <a:xfrm>
+            <a:off x="6705600" y="700491"/>
+            <a:ext cx="5486400" cy="5486400"/>
+          </a:xfrm>
+          <a:prstGeom prst="rect">
+            <a:avLst/>
+          </a:prstGeom>
+        </p:spPr>
+      </p:pic>
     </p:spTree>
     <p:extLst>
       <p:ext uri="{BB962C8B-B14F-4D97-AF65-F5344CB8AC3E}">
